--- a/Assets/Charts.pptx
+++ b/Assets/Charts.pptx
@@ -5,7 +5,7 @@
     <p:sldMasterId id="2147483768" r:id="rId4"/>
   </p:sldMasterIdLst>
   <p:notesMasterIdLst>
-    <p:notesMasterId r:id="rId14"/>
+    <p:notesMasterId r:id="rId15"/>
   </p:notesMasterIdLst>
   <p:sldIdLst>
     <p:sldId id="257" r:id="rId5"/>
@@ -16,7 +16,8 @@
     <p:sldId id="263" r:id="rId10"/>
     <p:sldId id="264" r:id="rId11"/>
     <p:sldId id="265" r:id="rId12"/>
-    <p:sldId id="259" r:id="rId13"/>
+    <p:sldId id="266" r:id="rId13"/>
+    <p:sldId id="259" r:id="rId14"/>
   </p:sldIdLst>
   <p:sldSz cx="12192000" cy="6858000"/>
   <p:notesSz cx="6858000" cy="9144000"/>
@@ -14516,6 +14517,247 @@
     <p:extLst>
       <p:ext uri="{BB962C8B-B14F-4D97-AF65-F5344CB8AC3E}">
         <p14:creationId xmlns:p14="http://schemas.microsoft.com/office/powerpoint/2010/main" val="568861083"/>
+      </p:ext>
+    </p:extLst>
+  </p:cSld>
+  <p:clrMapOvr>
+    <a:masterClrMapping/>
+  </p:clrMapOvr>
+</p:sld>
+</file>
+
+<file path=ppt/slides/slide10.xml><?xml version="1.0" encoding="utf-8"?>
+<p:sld xmlns:a="http://schemas.openxmlformats.org/drawingml/2006/main" xmlns:r="http://schemas.openxmlformats.org/officeDocument/2006/relationships" xmlns:p="http://schemas.openxmlformats.org/presentationml/2006/main">
+  <p:cSld>
+    <p:spTree>
+      <p:nvGrpSpPr>
+        <p:cNvPr id="1" name=""/>
+        <p:cNvGrpSpPr/>
+        <p:nvPr/>
+      </p:nvGrpSpPr>
+      <p:grpSpPr>
+        <a:xfrm>
+          <a:off x="0" y="0"/>
+          <a:ext cx="0" cy="0"/>
+          <a:chOff x="0" y="0"/>
+          <a:chExt cx="0" cy="0"/>
+        </a:xfrm>
+      </p:grpSpPr>
+      <p:sp>
+        <p:nvSpPr>
+          <p:cNvPr id="4" name="Slide Number Placeholder 3">
+            <a:extLst>
+              <a:ext uri="{FF2B5EF4-FFF2-40B4-BE49-F238E27FC236}">
+                <a16:creationId xmlns:a16="http://schemas.microsoft.com/office/drawing/2014/main" id="{772E5C61-91A3-DA46-B3F0-3F8B373256F2}"/>
+              </a:ext>
+            </a:extLst>
+          </p:cNvPr>
+          <p:cNvSpPr>
+            <a:spLocks noGrp="1"/>
+          </p:cNvSpPr>
+          <p:nvPr>
+            <p:ph type="sldNum" sz="quarter" idx="12"/>
+          </p:nvPr>
+        </p:nvSpPr>
+        <p:spPr/>
+        <p:txBody>
+          <a:bodyPr/>
+          <a:lstStyle/>
+          <a:p>
+            <a:fld id="{6D22F896-40B5-4ADD-8801-0D06FADFA095}" type="slidenum">
+              <a:rPr lang="en-US" smtClean="0"/>
+              <a:t>10</a:t>
+            </a:fld>
+            <a:endParaRPr lang="en-US"/>
+          </a:p>
+        </p:txBody>
+      </p:sp>
+      <mc:AlternateContent xmlns:mc="http://schemas.openxmlformats.org/markup-compatibility/2006" xmlns:p14="http://schemas.microsoft.com/office/powerpoint/2010/main" xmlns:aink="http://schemas.microsoft.com/office/drawing/2016/ink">
+        <mc:Choice Requires="p14 aink">
+          <p:contentPart p14:bwMode="auto" r:id="rId2">
+            <p14:nvContentPartPr>
+              <p14:cNvPr id="114" name="Ink 113">
+                <a:extLst>
+                  <a:ext uri="{FF2B5EF4-FFF2-40B4-BE49-F238E27FC236}">
+                    <a16:creationId xmlns:a16="http://schemas.microsoft.com/office/drawing/2014/main" id="{8F57BF68-28DA-BA44-8B17-843AC0E2D718}"/>
+                  </a:ext>
+                </a:extLst>
+              </p14:cNvPr>
+              <p14:cNvContentPartPr/>
+              <p14:nvPr/>
+            </p14:nvContentPartPr>
+            <p14:xfrm>
+              <a:off x="4811935" y="771622"/>
+              <a:ext cx="4566600" cy="5212080"/>
+            </p14:xfrm>
+          </p:contentPart>
+        </mc:Choice>
+        <mc:Fallback xmlns="">
+          <p:pic>
+            <p:nvPicPr>
+              <p:cNvPr id="114" name="Ink 113">
+                <a:extLst>
+                  <a:ext uri="{FF2B5EF4-FFF2-40B4-BE49-F238E27FC236}">
+                    <a16:creationId xmlns:a16="http://schemas.microsoft.com/office/drawing/2014/main" id="{8F57BF68-28DA-BA44-8B17-843AC0E2D718}"/>
+                  </a:ext>
+                </a:extLst>
+              </p:cNvPr>
+              <p:cNvPicPr/>
+              <p:nvPr/>
+            </p:nvPicPr>
+            <p:blipFill>
+              <a:blip r:embed="rId3"/>
+              <a:stretch>
+                <a:fillRect/>
+              </a:stretch>
+            </p:blipFill>
+            <p:spPr>
+              <a:xfrm>
+                <a:off x="4775935" y="735982"/>
+                <a:ext cx="4638240" cy="5283720"/>
+              </a:xfrm>
+              <a:prstGeom prst="rect">
+                <a:avLst/>
+              </a:prstGeom>
+            </p:spPr>
+          </p:pic>
+        </mc:Fallback>
+      </mc:AlternateContent>
+      <mc:AlternateContent xmlns:mc="http://schemas.openxmlformats.org/markup-compatibility/2006" xmlns:p14="http://schemas.microsoft.com/office/powerpoint/2010/main" xmlns:aink="http://schemas.microsoft.com/office/drawing/2016/ink">
+        <mc:Choice Requires="p14 aink">
+          <p:contentPart p14:bwMode="auto" r:id="rId4">
+            <p14:nvContentPartPr>
+              <p14:cNvPr id="115" name="Ink 114">
+                <a:extLst>
+                  <a:ext uri="{FF2B5EF4-FFF2-40B4-BE49-F238E27FC236}">
+                    <a16:creationId xmlns:a16="http://schemas.microsoft.com/office/drawing/2014/main" id="{ED808BF5-75E6-B340-A067-87EDD64301CE}"/>
+                  </a:ext>
+                </a:extLst>
+              </p14:cNvPr>
+              <p14:cNvContentPartPr/>
+              <p14:nvPr/>
+            </p14:nvContentPartPr>
+            <p14:xfrm>
+              <a:off x="10872909" y="900777"/>
+              <a:ext cx="360" cy="360"/>
+            </p14:xfrm>
+          </p:contentPart>
+        </mc:Choice>
+        <mc:Fallback xmlns="">
+          <p:pic>
+            <p:nvPicPr>
+              <p:cNvPr id="115" name="Ink 114">
+                <a:extLst>
+                  <a:ext uri="{FF2B5EF4-FFF2-40B4-BE49-F238E27FC236}">
+                    <a16:creationId xmlns:a16="http://schemas.microsoft.com/office/drawing/2014/main" id="{ED808BF5-75E6-B340-A067-87EDD64301CE}"/>
+                  </a:ext>
+                </a:extLst>
+              </p:cNvPr>
+              <p:cNvPicPr/>
+              <p:nvPr/>
+            </p:nvPicPr>
+            <p:blipFill>
+              <a:blip r:embed="rId5"/>
+              <a:stretch>
+                <a:fillRect/>
+              </a:stretch>
+            </p:blipFill>
+            <p:spPr>
+              <a:xfrm>
+                <a:off x="10836909" y="865137"/>
+                <a:ext cx="72000" cy="72000"/>
+              </a:xfrm>
+              <a:prstGeom prst="rect">
+                <a:avLst/>
+              </a:prstGeom>
+            </p:spPr>
+          </p:pic>
+        </mc:Fallback>
+      </mc:AlternateContent>
+      <p:sp>
+        <p:nvSpPr>
+          <p:cNvPr id="128" name="TextBox 127">
+            <a:extLst>
+              <a:ext uri="{FF2B5EF4-FFF2-40B4-BE49-F238E27FC236}">
+                <a16:creationId xmlns:a16="http://schemas.microsoft.com/office/drawing/2014/main" id="{20FB1A0F-16F4-B842-8533-D52FE97E642B}"/>
+              </a:ext>
+            </a:extLst>
+          </p:cNvPr>
+          <p:cNvSpPr txBox="1"/>
+          <p:nvPr/>
+        </p:nvSpPr>
+        <p:spPr>
+          <a:xfrm>
+            <a:off x="2230582" y="1537855"/>
+            <a:ext cx="1444626" cy="2400657"/>
+          </a:xfrm>
+          <a:prstGeom prst="rect">
+            <a:avLst/>
+          </a:prstGeom>
+          <a:noFill/>
+        </p:spPr>
+        <p:txBody>
+          <a:bodyPr wrap="none" rtlCol="0">
+            <a:spAutoFit/>
+          </a:bodyPr>
+          <a:lstStyle/>
+          <a:p>
+            <a:r>
+              <a:rPr lang="en-US" sz="15000" dirty="0">
+                <a:solidFill>
+                  <a:schemeClr val="bg1"/>
+                </a:solidFill>
+                <a:latin typeface="Chalkboard" panose="03050602040202020205" pitchFamily="66" charset="77"/>
+              </a:rPr>
+              <a:t>X</a:t>
+            </a:r>
+          </a:p>
+        </p:txBody>
+      </p:sp>
+      <p:sp>
+        <p:nvSpPr>
+          <p:cNvPr id="129" name="TextBox 128">
+            <a:extLst>
+              <a:ext uri="{FF2B5EF4-FFF2-40B4-BE49-F238E27FC236}">
+                <a16:creationId xmlns:a16="http://schemas.microsoft.com/office/drawing/2014/main" id="{A5730C55-4DB8-4B49-A767-15273DE5D4DF}"/>
+              </a:ext>
+            </a:extLst>
+          </p:cNvPr>
+          <p:cNvSpPr txBox="1"/>
+          <p:nvPr/>
+        </p:nvSpPr>
+        <p:spPr>
+          <a:xfrm>
+            <a:off x="2378089" y="3377662"/>
+            <a:ext cx="1580882" cy="2400657"/>
+          </a:xfrm>
+          <a:prstGeom prst="rect">
+            <a:avLst/>
+          </a:prstGeom>
+          <a:noFill/>
+        </p:spPr>
+        <p:txBody>
+          <a:bodyPr wrap="none" rtlCol="0">
+            <a:spAutoFit/>
+          </a:bodyPr>
+          <a:lstStyle/>
+          <a:p>
+            <a:r>
+              <a:rPr lang="en-US" sz="15000" dirty="0">
+                <a:solidFill>
+                  <a:schemeClr val="bg1"/>
+                </a:solidFill>
+                <a:latin typeface="Chalkboard" panose="03050602040202020205" pitchFamily="66" charset="77"/>
+              </a:rPr>
+              <a:t>O</a:t>
+            </a:r>
+          </a:p>
+        </p:txBody>
+      </p:sp>
+    </p:spTree>
+    <p:extLst>
+      <p:ext uri="{BB962C8B-B14F-4D97-AF65-F5344CB8AC3E}">
+        <p14:creationId xmlns:p14="http://schemas.microsoft.com/office/powerpoint/2010/main" val="2150303403"/>
       </p:ext>
     </p:extLst>
   </p:cSld>
@@ -22850,10 +23092,10 @@
       </p:grpSpPr>
       <p:sp>
         <p:nvSpPr>
-          <p:cNvPr id="4" name="Slide Number Placeholder 3">
+          <p:cNvPr id="2" name="Slide Number Placeholder 1">
             <a:extLst>
               <a:ext uri="{FF2B5EF4-FFF2-40B4-BE49-F238E27FC236}">
-                <a16:creationId xmlns:a16="http://schemas.microsoft.com/office/drawing/2014/main" id="{772E5C61-91A3-DA46-B3F0-3F8B373256F2}"/>
+                <a16:creationId xmlns:a16="http://schemas.microsoft.com/office/drawing/2014/main" id="{263A7288-867F-2E49-B9B8-A7600E7D4B55}"/>
               </a:ext>
             </a:extLst>
           </p:cNvPr>
@@ -22877,192 +23119,10 @@
           </a:p>
         </p:txBody>
       </p:sp>
-      <mc:AlternateContent xmlns:mc="http://schemas.openxmlformats.org/markup-compatibility/2006" xmlns:p14="http://schemas.microsoft.com/office/powerpoint/2010/main" xmlns:aink="http://schemas.microsoft.com/office/drawing/2016/ink">
-        <mc:Choice Requires="p14 aink">
-          <p:contentPart p14:bwMode="auto" r:id="rId2">
-            <p14:nvContentPartPr>
-              <p14:cNvPr id="114" name="Ink 113">
-                <a:extLst>
-                  <a:ext uri="{FF2B5EF4-FFF2-40B4-BE49-F238E27FC236}">
-                    <a16:creationId xmlns:a16="http://schemas.microsoft.com/office/drawing/2014/main" id="{8F57BF68-28DA-BA44-8B17-843AC0E2D718}"/>
-                  </a:ext>
-                </a:extLst>
-              </p14:cNvPr>
-              <p14:cNvContentPartPr/>
-              <p14:nvPr/>
-            </p14:nvContentPartPr>
-            <p14:xfrm>
-              <a:off x="4811935" y="771622"/>
-              <a:ext cx="4566600" cy="5212080"/>
-            </p14:xfrm>
-          </p:contentPart>
-        </mc:Choice>
-        <mc:Fallback xmlns="">
-          <p:pic>
-            <p:nvPicPr>
-              <p:cNvPr id="114" name="Ink 113">
-                <a:extLst>
-                  <a:ext uri="{FF2B5EF4-FFF2-40B4-BE49-F238E27FC236}">
-                    <a16:creationId xmlns:a16="http://schemas.microsoft.com/office/drawing/2014/main" id="{8F57BF68-28DA-BA44-8B17-843AC0E2D718}"/>
-                  </a:ext>
-                </a:extLst>
-              </p:cNvPr>
-              <p:cNvPicPr/>
-              <p:nvPr/>
-            </p:nvPicPr>
-            <p:blipFill>
-              <a:blip r:embed="rId3"/>
-              <a:stretch>
-                <a:fillRect/>
-              </a:stretch>
-            </p:blipFill>
-            <p:spPr>
-              <a:xfrm>
-                <a:off x="4775935" y="735982"/>
-                <a:ext cx="4638240" cy="5283720"/>
-              </a:xfrm>
-              <a:prstGeom prst="rect">
-                <a:avLst/>
-              </a:prstGeom>
-            </p:spPr>
-          </p:pic>
-        </mc:Fallback>
-      </mc:AlternateContent>
-      <mc:AlternateContent xmlns:mc="http://schemas.openxmlformats.org/markup-compatibility/2006" xmlns:p14="http://schemas.microsoft.com/office/powerpoint/2010/main" xmlns:aink="http://schemas.microsoft.com/office/drawing/2016/ink">
-        <mc:Choice Requires="p14 aink">
-          <p:contentPart p14:bwMode="auto" r:id="rId4">
-            <p14:nvContentPartPr>
-              <p14:cNvPr id="115" name="Ink 114">
-                <a:extLst>
-                  <a:ext uri="{FF2B5EF4-FFF2-40B4-BE49-F238E27FC236}">
-                    <a16:creationId xmlns:a16="http://schemas.microsoft.com/office/drawing/2014/main" id="{ED808BF5-75E6-B340-A067-87EDD64301CE}"/>
-                  </a:ext>
-                </a:extLst>
-              </p14:cNvPr>
-              <p14:cNvContentPartPr/>
-              <p14:nvPr/>
-            </p14:nvContentPartPr>
-            <p14:xfrm>
-              <a:off x="10872909" y="900777"/>
-              <a:ext cx="360" cy="360"/>
-            </p14:xfrm>
-          </p:contentPart>
-        </mc:Choice>
-        <mc:Fallback xmlns="">
-          <p:pic>
-            <p:nvPicPr>
-              <p:cNvPr id="115" name="Ink 114">
-                <a:extLst>
-                  <a:ext uri="{FF2B5EF4-FFF2-40B4-BE49-F238E27FC236}">
-                    <a16:creationId xmlns:a16="http://schemas.microsoft.com/office/drawing/2014/main" id="{ED808BF5-75E6-B340-A067-87EDD64301CE}"/>
-                  </a:ext>
-                </a:extLst>
-              </p:cNvPr>
-              <p:cNvPicPr/>
-              <p:nvPr/>
-            </p:nvPicPr>
-            <p:blipFill>
-              <a:blip r:embed="rId5"/>
-              <a:stretch>
-                <a:fillRect/>
-              </a:stretch>
-            </p:blipFill>
-            <p:spPr>
-              <a:xfrm>
-                <a:off x="10836909" y="865137"/>
-                <a:ext cx="72000" cy="72000"/>
-              </a:xfrm>
-              <a:prstGeom prst="rect">
-                <a:avLst/>
-              </a:prstGeom>
-            </p:spPr>
-          </p:pic>
-        </mc:Fallback>
-      </mc:AlternateContent>
-      <p:sp>
-        <p:nvSpPr>
-          <p:cNvPr id="128" name="TextBox 127">
-            <a:extLst>
-              <a:ext uri="{FF2B5EF4-FFF2-40B4-BE49-F238E27FC236}">
-                <a16:creationId xmlns:a16="http://schemas.microsoft.com/office/drawing/2014/main" id="{20FB1A0F-16F4-B842-8533-D52FE97E642B}"/>
-              </a:ext>
-            </a:extLst>
-          </p:cNvPr>
-          <p:cNvSpPr txBox="1"/>
-          <p:nvPr/>
-        </p:nvSpPr>
-        <p:spPr>
-          <a:xfrm>
-            <a:off x="2230582" y="1537855"/>
-            <a:ext cx="1444626" cy="2400657"/>
-          </a:xfrm>
-          <a:prstGeom prst="rect">
-            <a:avLst/>
-          </a:prstGeom>
-          <a:noFill/>
-        </p:spPr>
-        <p:txBody>
-          <a:bodyPr wrap="none" rtlCol="0">
-            <a:spAutoFit/>
-          </a:bodyPr>
-          <a:lstStyle/>
-          <a:p>
-            <a:r>
-              <a:rPr lang="en-US" sz="15000" dirty="0">
-                <a:solidFill>
-                  <a:schemeClr val="bg1"/>
-                </a:solidFill>
-                <a:latin typeface="Chalkboard" panose="03050602040202020205" pitchFamily="66" charset="77"/>
-              </a:rPr>
-              <a:t>X</a:t>
-            </a:r>
-          </a:p>
-        </p:txBody>
-      </p:sp>
-      <p:sp>
-        <p:nvSpPr>
-          <p:cNvPr id="129" name="TextBox 128">
-            <a:extLst>
-              <a:ext uri="{FF2B5EF4-FFF2-40B4-BE49-F238E27FC236}">
-                <a16:creationId xmlns:a16="http://schemas.microsoft.com/office/drawing/2014/main" id="{A5730C55-4DB8-4B49-A767-15273DE5D4DF}"/>
-              </a:ext>
-            </a:extLst>
-          </p:cNvPr>
-          <p:cNvSpPr txBox="1"/>
-          <p:nvPr/>
-        </p:nvSpPr>
-        <p:spPr>
-          <a:xfrm>
-            <a:off x="2378089" y="3377662"/>
-            <a:ext cx="1580882" cy="2400657"/>
-          </a:xfrm>
-          <a:prstGeom prst="rect">
-            <a:avLst/>
-          </a:prstGeom>
-          <a:noFill/>
-        </p:spPr>
-        <p:txBody>
-          <a:bodyPr wrap="none" rtlCol="0">
-            <a:spAutoFit/>
-          </a:bodyPr>
-          <a:lstStyle/>
-          <a:p>
-            <a:r>
-              <a:rPr lang="en-US" sz="15000" dirty="0">
-                <a:solidFill>
-                  <a:schemeClr val="bg1"/>
-                </a:solidFill>
-                <a:latin typeface="Chalkboard" panose="03050602040202020205" pitchFamily="66" charset="77"/>
-              </a:rPr>
-              <a:t>O</a:t>
-            </a:r>
-          </a:p>
-        </p:txBody>
-      </p:sp>
     </p:spTree>
     <p:extLst>
       <p:ext uri="{BB962C8B-B14F-4D97-AF65-F5344CB8AC3E}">
-        <p14:creationId xmlns:p14="http://schemas.microsoft.com/office/powerpoint/2010/main" val="2150303403"/>
+        <p14:creationId xmlns:p14="http://schemas.microsoft.com/office/powerpoint/2010/main" val="1831265782"/>
       </p:ext>
     </p:extLst>
   </p:cSld>
@@ -23633,6 +23693,12 @@
 </file>
 
 <file path=customXml/item1.xml><?xml version="1.0" encoding="utf-8"?>
+<p:properties xmlns:p="http://schemas.microsoft.com/office/2006/metadata/properties" xmlns:xsi="http://www.w3.org/2001/XMLSchema-instance" xmlns:pc="http://schemas.microsoft.com/office/infopath/2007/PartnerControls">
+  <documentManagement/>
+</p:properties>
+</file>
+
+<file path=customXml/item2.xml><?xml version="1.0" encoding="utf-8"?>
 <ct:contentTypeSchema xmlns:ct="http://schemas.microsoft.com/office/2006/metadata/contentType" xmlns:ma="http://schemas.microsoft.com/office/2006/metadata/properties/metaAttributes" ct:_="" ma:_="" ma:contentTypeName="Document" ma:contentTypeID="0x010100D7B57FC7BE3E284FAB8BF797CB9E8498" ma:contentTypeVersion="5" ma:contentTypeDescription="Create a new document." ma:contentTypeScope="" ma:versionID="a92e2b1568decbde8964c133f7d01010">
   <xsd:schema xmlns:xsd="http://www.w3.org/2001/XMLSchema" xmlns:xs="http://www.w3.org/2001/XMLSchema" xmlns:p="http://schemas.microsoft.com/office/2006/metadata/properties" xmlns:ns2="d6961cd4-b5c7-4f79-9baf-762247a2a9e6" targetNamespace="http://schemas.microsoft.com/office/2006/metadata/properties" ma:root="true" ma:fieldsID="a213872f5867044ef1c4d8ee05fb8357" ns2:_="">
     <xsd:import namespace="d6961cd4-b5c7-4f79-9baf-762247a2a9e6"/>
@@ -23784,12 +23850,6 @@
 </ct:contentTypeSchema>
 </file>
 
-<file path=customXml/item2.xml><?xml version="1.0" encoding="utf-8"?>
-<p:properties xmlns:p="http://schemas.microsoft.com/office/2006/metadata/properties" xmlns:xsi="http://www.w3.org/2001/XMLSchema-instance" xmlns:pc="http://schemas.microsoft.com/office/infopath/2007/PartnerControls">
-  <documentManagement/>
-</p:properties>
-</file>
-
 <file path=customXml/item3.xml><?xml version="1.0" encoding="utf-8"?>
 <?mso-contentType ?>
 <FormTemplates xmlns="http://schemas.microsoft.com/sharepoint/v3/contenttype/forms">
@@ -23800,6 +23860,22 @@
 </file>
 
 <file path=customXml/itemProps1.xml><?xml version="1.0" encoding="utf-8"?>
+<ds:datastoreItem xmlns:ds="http://schemas.openxmlformats.org/officeDocument/2006/customXml" ds:itemID="{FA4D3308-8A84-429A-9595-622EC8BA1D44}">
+  <ds:schemaRefs>
+    <ds:schemaRef ds:uri="http://purl.org/dc/terms/"/>
+    <ds:schemaRef ds:uri="http://purl.org/dc/elements/1.1/"/>
+    <ds:schemaRef ds:uri="http://schemas.microsoft.com/office/2006/documentManagement/types"/>
+    <ds:schemaRef ds:uri="http://schemas.openxmlformats.org/package/2006/metadata/core-properties"/>
+    <ds:schemaRef ds:uri="http://schemas.microsoft.com/office/2006/metadata/properties"/>
+    <ds:schemaRef ds:uri="http://www.w3.org/XML/1998/namespace"/>
+    <ds:schemaRef ds:uri="http://schemas.microsoft.com/office/infopath/2007/PartnerControls"/>
+    <ds:schemaRef ds:uri="d6961cd4-b5c7-4f79-9baf-762247a2a9e6"/>
+    <ds:schemaRef ds:uri="http://purl.org/dc/dcmitype/"/>
+  </ds:schemaRefs>
+</ds:datastoreItem>
+</file>
+
+<file path=customXml/itemProps2.xml><?xml version="1.0" encoding="utf-8"?>
 <ds:datastoreItem xmlns:ds="http://schemas.openxmlformats.org/officeDocument/2006/customXml" ds:itemID="{385978C5-BC36-4897-B730-B458B6358412}">
   <ds:schemaRefs>
     <ds:schemaRef ds:uri="http://schemas.microsoft.com/office/2006/metadata/contentType"/>
@@ -23817,22 +23893,6 @@
 </ds:datastoreItem>
 </file>
 
-<file path=customXml/itemProps2.xml><?xml version="1.0" encoding="utf-8"?>
-<ds:datastoreItem xmlns:ds="http://schemas.openxmlformats.org/officeDocument/2006/customXml" ds:itemID="{FA4D3308-8A84-429A-9595-622EC8BA1D44}">
-  <ds:schemaRefs>
-    <ds:schemaRef ds:uri="http://purl.org/dc/terms/"/>
-    <ds:schemaRef ds:uri="http://purl.org/dc/elements/1.1/"/>
-    <ds:schemaRef ds:uri="http://schemas.microsoft.com/office/2006/documentManagement/types"/>
-    <ds:schemaRef ds:uri="http://schemas.openxmlformats.org/package/2006/metadata/core-properties"/>
-    <ds:schemaRef ds:uri="http://schemas.microsoft.com/office/2006/metadata/properties"/>
-    <ds:schemaRef ds:uri="http://www.w3.org/XML/1998/namespace"/>
-    <ds:schemaRef ds:uri="http://schemas.microsoft.com/office/infopath/2007/PartnerControls"/>
-    <ds:schemaRef ds:uri="d6961cd4-b5c7-4f79-9baf-762247a2a9e6"/>
-    <ds:schemaRef ds:uri="http://purl.org/dc/dcmitype/"/>
-  </ds:schemaRefs>
-</ds:datastoreItem>
-</file>
-
 <file path=customXml/itemProps3.xml><?xml version="1.0" encoding="utf-8"?>
 <ds:datastoreItem xmlns:ds="http://schemas.openxmlformats.org/officeDocument/2006/customXml" ds:itemID="{1ED173B9-A6B4-4222-B5E8-3D1DE971ACB1}">
   <ds:schemaRefs>
